--- a/Regex-presentation.pptx
+++ b/Regex-presentation.pptx
@@ -6156,6 +6156,24 @@
               <a:rPr lang="en-US" dirty="0" smtClean="0"/>
               <a:t>Built-in to many programming languages, libraries, run internally for search engines, etc. Enables complex string processing/queries.</a:t>
             </a:r>
+          </a:p>
+          <a:p>
+            <a:r>
+              <a:rPr lang="en-US" sz="2400" dirty="0" smtClean="0"/>
+              <a:t>Nuances: Some different syntaxes like POSIX, Perl, Lazy matching, </a:t>
+            </a:r>
+            <a:r>
+              <a:rPr lang="en-US" sz="2400" dirty="0" err="1" smtClean="0"/>
+              <a:t>Posessive</a:t>
+            </a:r>
+            <a:r>
+              <a:rPr lang="en-US" sz="2400" smtClean="0"/>
+              <a:t> matching, etc</a:t>
+            </a:r>
+            <a:r>
+              <a:rPr lang="en-US" sz="2400" dirty="0" smtClean="0"/>
+              <a:t>.</a:t>
+            </a:r>
             <a:endParaRPr lang="en-US" sz="2400" dirty="0"/>
           </a:p>
         </p:txBody>
